--- a/Dokumentace/DPM prezentace.pptx
+++ b/Dokumentace/DPM prezentace.pptx
@@ -5,15 +5,18 @@
     <p:sldMasterId id="2147483732" r:id="rId1"/>
   </p:sldMasterIdLst>
   <p:notesMasterIdLst>
-    <p:notesMasterId r:id="rId8"/>
+    <p:notesMasterId r:id="rId11"/>
   </p:notesMasterIdLst>
   <p:sldIdLst>
     <p:sldId id="256" r:id="rId2"/>
-    <p:sldId id="257" r:id="rId3"/>
-    <p:sldId id="264" r:id="rId4"/>
-    <p:sldId id="265" r:id="rId5"/>
-    <p:sldId id="263" r:id="rId6"/>
-    <p:sldId id="262" r:id="rId7"/>
+    <p:sldId id="267" r:id="rId3"/>
+    <p:sldId id="257" r:id="rId4"/>
+    <p:sldId id="264" r:id="rId5"/>
+    <p:sldId id="265" r:id="rId6"/>
+    <p:sldId id="266" r:id="rId7"/>
+    <p:sldId id="268" r:id="rId8"/>
+    <p:sldId id="263" r:id="rId9"/>
+    <p:sldId id="262" r:id="rId10"/>
   </p:sldIdLst>
   <p:sldSz cx="9144000" cy="6858000" type="screen4x3"/>
   <p:notesSz cx="6858000" cy="9144000"/>
@@ -198,7 +201,7 @@
             <a:fld id="{B46FDC96-AACE-4105-A078-52873064FFD3}" type="datetimeFigureOut">
               <a:rPr lang="cs-CZ" smtClean="0"/>
               <a:pPr/>
-              <a:t>20.05.2021</a:t>
+              <a:t>21.05.2021</a:t>
             </a:fld>
             <a:endParaRPr lang="cs-CZ"/>
           </a:p>
@@ -510,14 +513,6 @@
           </a:bodyPr>
           <a:lstStyle/>
           <a:p>
-            <a:r>
-              <a:rPr lang="cs-CZ" dirty="0" smtClean="0"/>
-              <a:t>Dobrý</a:t>
-            </a:r>
-            <a:r>
-              <a:rPr lang="cs-CZ" baseline="0" dirty="0" smtClean="0"/>
-              <a:t> den Vážená poroto, komise. Mé jméno je Filip Plachý a mojí prací bylo vytvoření tutoriálu knihovny wxPython. </a:t>
-            </a:r>
             <a:endParaRPr lang="cs-CZ" dirty="0"/>
           </a:p>
         </p:txBody>
@@ -600,18 +595,6 @@
           </a:bodyPr>
           <a:lstStyle/>
           <a:p>
-            <a:r>
-              <a:rPr lang="cs-CZ" dirty="0" smtClean="0"/>
-              <a:t>K</a:t>
-            </a:r>
-            <a:r>
-              <a:rPr lang="cs-CZ" baseline="0" dirty="0" smtClean="0"/>
-              <a:t> samotnému dokončení tutoriálů vedlo několik bodů. Prvním a nejdůležitějším z nich bylo nastudování knihovny Wx. Tahle fáze trvala nejdéle a již během ní jsme přemýšlel nad ostatními body práce. Vybraní vhodného softwaru pro psaní a vizualizaci tutoriálu. Také jsem potřeboval si promyslet samotný obsah a </a:t>
-            </a:r>
-            <a:r>
-              <a:rPr lang="cs-CZ" baseline="0" dirty="0" smtClean="0"/>
-              <a:t>styl zápisu.</a:t>
-            </a:r>
             <a:endParaRPr lang="cs-CZ" baseline="0" dirty="0" smtClean="0"/>
           </a:p>
         </p:txBody>
@@ -634,7 +617,7 @@
             <a:fld id="{9F31F2CE-8BF1-4955-BB39-BE69A4741DD1}" type="slidenum">
               <a:rPr lang="cs-CZ" smtClean="0"/>
               <a:pPr/>
-              <a:t>2</a:t>
+              <a:t>3</a:t>
             </a:fld>
             <a:endParaRPr lang="cs-CZ"/>
           </a:p>
@@ -694,26 +677,6 @@
           </a:bodyPr>
           <a:lstStyle/>
           <a:p>
-            <a:r>
-              <a:rPr lang="cs-CZ" dirty="0" smtClean="0"/>
-              <a:t>Na </a:t>
-            </a:r>
-            <a:r>
-              <a:rPr lang="cs-CZ" dirty="0" err="1" smtClean="0"/>
-              <a:t>Github</a:t>
-            </a:r>
-            <a:r>
-              <a:rPr lang="cs-CZ" dirty="0" smtClean="0"/>
-              <a:t> jsem začal nahrávat lekce již od začátku listopadu. Mezi první patřili</a:t>
-            </a:r>
-            <a:r>
-              <a:rPr lang="cs-CZ" baseline="0" dirty="0" smtClean="0"/>
-              <a:t> instalační tutoriály na WxPython a na Jupyter Notebook. V té době mojí myšlenkou bylo, že samotný tutoriál by uživatel používal skrze Jupyter Notebook a tudíž by si ho potřeboval nainstalovat. Tohle se avšak změnilo, když mi pan učitel Nožka doporučil webové prostředí NBViewer, který vyšel 13. listopadu 2020. Ale abych neodbočoval, tak o NBVieweru budu mluvit později.  Dalšími lekcemi jsou 2 na objektově orientované programování. Tyhle lekce mi přišli asi nejtěžší ze všech ostatních, neboť jsem v něm měl naučit uživatele celý nový způsob zápisu kódu. Lekce OOP tedy byli mnou nejčastěji opravovány, obzvlášť až ke konci práce, kdy jsem již měl s OOP větší zkušenosti než ze začátku. Nadále bych také chtěl zmínit, že zrovna tyhle 2 lekce by se měli brát s nadhledem, neboť přemýšlet objektově v programování je velmi náročné a každý programátor by si měl najít svoji vlastní cestu. Dalších zbývajících 8 lekcí se již týkají WxPythonu. Ve zkratce – první aplikace obsahuje základní syntaxi knihovny. Přepsání do OOP a StaticText, jak již z názvu vypovídá, tak ukazuje základní syntaxi objektově a objevuje se zde první objekt. Následuje lekce o velikosti a pozici okna. Dále lekce s tlačítkem. Vstupy pro uživatele, Menu bar. Následuje další přepsání do OOP, které je ještě více efektivnější než první. A poslední lekcí je práce se sizery, které upravují velikost objektů při </a:t>
-            </a:r>
-            <a:r>
-              <a:rPr lang="cs-CZ" baseline="0" smtClean="0"/>
-              <a:t>měnění velikosti okna.</a:t>
-            </a:r>
             <a:endParaRPr lang="cs-CZ" dirty="0"/>
           </a:p>
         </p:txBody>
@@ -736,7 +699,7 @@
             <a:fld id="{9F31F2CE-8BF1-4955-BB39-BE69A4741DD1}" type="slidenum">
               <a:rPr lang="cs-CZ" smtClean="0"/>
               <a:pPr/>
-              <a:t>3</a:t>
+              <a:t>4</a:t>
             </a:fld>
             <a:endParaRPr lang="cs-CZ"/>
           </a:p>
@@ -796,22 +759,6 @@
           </a:bodyPr>
           <a:lstStyle/>
           <a:p>
-            <a:r>
-              <a:rPr lang="cs-CZ" dirty="0" smtClean="0"/>
-              <a:t>První</a:t>
-            </a:r>
-            <a:r>
-              <a:rPr lang="cs-CZ" baseline="0" dirty="0" smtClean="0"/>
-              <a:t> lekce jsem začal nahrávat na GitHub již od začátku listopadu. Prvními Tyhle lekce byli původně inspirovány řadami tutoriálů, ze kterých jsem se </a:t>
-            </a:r>
-            <a:r>
-              <a:rPr lang="cs-CZ" baseline="0" dirty="0" err="1" smtClean="0"/>
-              <a:t>wxpython</a:t>
-            </a:r>
-            <a:r>
-              <a:rPr lang="cs-CZ" baseline="0" dirty="0" smtClean="0"/>
-              <a:t> učil. </a:t>
-            </a:r>
             <a:endParaRPr lang="cs-CZ" dirty="0"/>
           </a:p>
         </p:txBody>
@@ -834,7 +781,171 @@
             <a:fld id="{9F31F2CE-8BF1-4955-BB39-BE69A4741DD1}" type="slidenum">
               <a:rPr lang="cs-CZ" smtClean="0"/>
               <a:pPr/>
-              <a:t>4</a:t>
+              <a:t>5</a:t>
+            </a:fld>
+            <a:endParaRPr lang="cs-CZ"/>
+          </a:p>
+        </p:txBody>
+      </p:sp>
+    </p:spTree>
+  </p:cSld>
+  <p:clrMapOvr>
+    <a:masterClrMapping/>
+  </p:clrMapOvr>
+</p:notes>
+</file>
+
+<file path=ppt/notesSlides/notesSlide5.xml><?xml version="1.0" encoding="utf-8"?>
+<p:notes xmlns:a="http://schemas.openxmlformats.org/drawingml/2006/main" xmlns:r="http://schemas.openxmlformats.org/officeDocument/2006/relationships" xmlns:p="http://schemas.openxmlformats.org/presentationml/2006/main">
+  <p:cSld>
+    <p:spTree>
+      <p:nvGrpSpPr>
+        <p:cNvPr id="1" name=""/>
+        <p:cNvGrpSpPr/>
+        <p:nvPr/>
+      </p:nvGrpSpPr>
+      <p:grpSpPr>
+        <a:xfrm>
+          <a:off x="0" y="0"/>
+          <a:ext cx="0" cy="0"/>
+          <a:chOff x="0" y="0"/>
+          <a:chExt cx="0" cy="0"/>
+        </a:xfrm>
+      </p:grpSpPr>
+      <p:sp>
+        <p:nvSpPr>
+          <p:cNvPr id="2" name="Zástupný symbol pro obrázek snímku 1"/>
+          <p:cNvSpPr>
+            <a:spLocks noGrp="1" noRot="1" noChangeAspect="1"/>
+          </p:cNvSpPr>
+          <p:nvPr>
+            <p:ph type="sldImg"/>
+          </p:nvPr>
+        </p:nvSpPr>
+        <p:spPr/>
+      </p:sp>
+      <p:sp>
+        <p:nvSpPr>
+          <p:cNvPr id="3" name="Zástupný symbol pro poznámky 2"/>
+          <p:cNvSpPr>
+            <a:spLocks noGrp="1"/>
+          </p:cNvSpPr>
+          <p:nvPr>
+            <p:ph type="body" idx="1"/>
+          </p:nvPr>
+        </p:nvSpPr>
+        <p:spPr/>
+        <p:txBody>
+          <a:bodyPr>
+            <a:normAutofit/>
+          </a:bodyPr>
+          <a:lstStyle/>
+          <a:p>
+            <a:endParaRPr lang="cs-CZ" dirty="0"/>
+          </a:p>
+        </p:txBody>
+      </p:sp>
+      <p:sp>
+        <p:nvSpPr>
+          <p:cNvPr id="4" name="Zástupný symbol pro číslo snímku 3"/>
+          <p:cNvSpPr>
+            <a:spLocks noGrp="1"/>
+          </p:cNvSpPr>
+          <p:nvPr>
+            <p:ph type="sldNum" sz="quarter" idx="10"/>
+          </p:nvPr>
+        </p:nvSpPr>
+        <p:spPr/>
+        <p:txBody>
+          <a:bodyPr/>
+          <a:lstStyle/>
+          <a:p>
+            <a:fld id="{9F31F2CE-8BF1-4955-BB39-BE69A4741DD1}" type="slidenum">
+              <a:rPr lang="cs-CZ" smtClean="0"/>
+              <a:pPr/>
+              <a:t>6</a:t>
+            </a:fld>
+            <a:endParaRPr lang="cs-CZ"/>
+          </a:p>
+        </p:txBody>
+      </p:sp>
+    </p:spTree>
+  </p:cSld>
+  <p:clrMapOvr>
+    <a:masterClrMapping/>
+  </p:clrMapOvr>
+</p:notes>
+</file>
+
+<file path=ppt/notesSlides/notesSlide6.xml><?xml version="1.0" encoding="utf-8"?>
+<p:notes xmlns:a="http://schemas.openxmlformats.org/drawingml/2006/main" xmlns:r="http://schemas.openxmlformats.org/officeDocument/2006/relationships" xmlns:p="http://schemas.openxmlformats.org/presentationml/2006/main">
+  <p:cSld>
+    <p:spTree>
+      <p:nvGrpSpPr>
+        <p:cNvPr id="1" name=""/>
+        <p:cNvGrpSpPr/>
+        <p:nvPr/>
+      </p:nvGrpSpPr>
+      <p:grpSpPr>
+        <a:xfrm>
+          <a:off x="0" y="0"/>
+          <a:ext cx="0" cy="0"/>
+          <a:chOff x="0" y="0"/>
+          <a:chExt cx="0" cy="0"/>
+        </a:xfrm>
+      </p:grpSpPr>
+      <p:sp>
+        <p:nvSpPr>
+          <p:cNvPr id="2" name="Zástupný symbol pro obrázek snímku 1"/>
+          <p:cNvSpPr>
+            <a:spLocks noGrp="1" noRot="1" noChangeAspect="1"/>
+          </p:cNvSpPr>
+          <p:nvPr>
+            <p:ph type="sldImg"/>
+          </p:nvPr>
+        </p:nvSpPr>
+        <p:spPr/>
+      </p:sp>
+      <p:sp>
+        <p:nvSpPr>
+          <p:cNvPr id="3" name="Zástupný symbol pro poznámky 2"/>
+          <p:cNvSpPr>
+            <a:spLocks noGrp="1"/>
+          </p:cNvSpPr>
+          <p:nvPr>
+            <p:ph type="body" idx="1"/>
+          </p:nvPr>
+        </p:nvSpPr>
+        <p:spPr/>
+        <p:txBody>
+          <a:bodyPr>
+            <a:normAutofit/>
+          </a:bodyPr>
+          <a:lstStyle/>
+          <a:p>
+            <a:endParaRPr lang="cs-CZ" dirty="0"/>
+          </a:p>
+        </p:txBody>
+      </p:sp>
+      <p:sp>
+        <p:nvSpPr>
+          <p:cNvPr id="4" name="Zástupný symbol pro číslo snímku 3"/>
+          <p:cNvSpPr>
+            <a:spLocks noGrp="1"/>
+          </p:cNvSpPr>
+          <p:nvPr>
+            <p:ph type="sldNum" sz="quarter" idx="10"/>
+          </p:nvPr>
+        </p:nvSpPr>
+        <p:spPr/>
+        <p:txBody>
+          <a:bodyPr/>
+          <a:lstStyle/>
+          <a:p>
+            <a:fld id="{9F31F2CE-8BF1-4955-BB39-BE69A4741DD1}" type="slidenum">
+              <a:rPr lang="cs-CZ" smtClean="0"/>
+              <a:pPr/>
+              <a:t>7</a:t>
             </a:fld>
             <a:endParaRPr lang="cs-CZ"/>
           </a:p>
@@ -1353,7 +1464,7 @@
             <a:fld id="{3182EA2C-DE64-4899-9047-46BACF1514BA}" type="datetimeFigureOut">
               <a:rPr lang="cs-CZ" smtClean="0"/>
               <a:pPr/>
-              <a:t>20.05.2021</a:t>
+              <a:t>21.05.2021</a:t>
             </a:fld>
             <a:endParaRPr lang="cs-CZ"/>
           </a:p>
@@ -1648,7 +1759,7 @@
             <a:fld id="{3182EA2C-DE64-4899-9047-46BACF1514BA}" type="datetimeFigureOut">
               <a:rPr lang="cs-CZ" smtClean="0"/>
               <a:pPr/>
-              <a:t>20.05.2021</a:t>
+              <a:t>21.05.2021</a:t>
             </a:fld>
             <a:endParaRPr lang="cs-CZ"/>
           </a:p>
@@ -1894,7 +2005,7 @@
             <a:fld id="{3182EA2C-DE64-4899-9047-46BACF1514BA}" type="datetimeFigureOut">
               <a:rPr lang="cs-CZ" smtClean="0"/>
               <a:pPr/>
-              <a:t>20.05.2021</a:t>
+              <a:t>21.05.2021</a:t>
             </a:fld>
             <a:endParaRPr lang="cs-CZ"/>
           </a:p>
@@ -2432,7 +2543,7 @@
             <a:fld id="{3182EA2C-DE64-4899-9047-46BACF1514BA}" type="datetimeFigureOut">
               <a:rPr lang="cs-CZ" smtClean="0"/>
               <a:pPr/>
-              <a:t>20.05.2021</a:t>
+              <a:t>21.05.2021</a:t>
             </a:fld>
             <a:endParaRPr lang="cs-CZ"/>
           </a:p>
@@ -2678,7 +2789,7 @@
             <a:fld id="{3182EA2C-DE64-4899-9047-46BACF1514BA}" type="datetimeFigureOut">
               <a:rPr lang="cs-CZ" smtClean="0"/>
               <a:pPr/>
-              <a:t>20.05.2021</a:t>
+              <a:t>21.05.2021</a:t>
             </a:fld>
             <a:endParaRPr lang="cs-CZ"/>
           </a:p>
@@ -3208,7 +3319,7 @@
             <a:fld id="{3182EA2C-DE64-4899-9047-46BACF1514BA}" type="datetimeFigureOut">
               <a:rPr lang="cs-CZ" smtClean="0"/>
               <a:pPr/>
-              <a:t>20.05.2021</a:t>
+              <a:t>21.05.2021</a:t>
             </a:fld>
             <a:endParaRPr lang="cs-CZ"/>
           </a:p>
@@ -3502,7 +3613,7 @@
             <a:fld id="{3182EA2C-DE64-4899-9047-46BACF1514BA}" type="datetimeFigureOut">
               <a:rPr lang="cs-CZ" smtClean="0"/>
               <a:pPr/>
-              <a:t>20.05.2021</a:t>
+              <a:t>21.05.2021</a:t>
             </a:fld>
             <a:endParaRPr lang="cs-CZ"/>
           </a:p>
@@ -3674,7 +3785,7 @@
             <a:fld id="{3182EA2C-DE64-4899-9047-46BACF1514BA}" type="datetimeFigureOut">
               <a:rPr lang="cs-CZ" smtClean="0"/>
               <a:pPr/>
-              <a:t>20.05.2021</a:t>
+              <a:t>21.05.2021</a:t>
             </a:fld>
             <a:endParaRPr lang="cs-CZ"/>
           </a:p>
@@ -3852,7 +3963,7 @@
             <a:fld id="{3182EA2C-DE64-4899-9047-46BACF1514BA}" type="datetimeFigureOut">
               <a:rPr lang="cs-CZ" smtClean="0"/>
               <a:pPr/>
-              <a:t>20.05.2021</a:t>
+              <a:t>21.05.2021</a:t>
             </a:fld>
             <a:endParaRPr lang="cs-CZ"/>
           </a:p>
@@ -4020,7 +4131,7 @@
             <a:fld id="{3182EA2C-DE64-4899-9047-46BACF1514BA}" type="datetimeFigureOut">
               <a:rPr lang="cs-CZ" smtClean="0"/>
               <a:pPr/>
-              <a:t>20.05.2021</a:t>
+              <a:t>21.05.2021</a:t>
             </a:fld>
             <a:endParaRPr lang="cs-CZ"/>
           </a:p>
@@ -4269,7 +4380,7 @@
             <a:fld id="{3182EA2C-DE64-4899-9047-46BACF1514BA}" type="datetimeFigureOut">
               <a:rPr lang="cs-CZ" smtClean="0"/>
               <a:pPr/>
-              <a:t>20.05.2021</a:t>
+              <a:t>21.05.2021</a:t>
             </a:fld>
             <a:endParaRPr lang="cs-CZ"/>
           </a:p>
@@ -4564,7 +4675,7 @@
             <a:fld id="{3182EA2C-DE64-4899-9047-46BACF1514BA}" type="datetimeFigureOut">
               <a:rPr lang="cs-CZ" smtClean="0"/>
               <a:pPr/>
-              <a:t>20.05.2021</a:t>
+              <a:t>21.05.2021</a:t>
             </a:fld>
             <a:endParaRPr lang="cs-CZ"/>
           </a:p>
@@ -5004,7 +5115,7 @@
             <a:fld id="{3182EA2C-DE64-4899-9047-46BACF1514BA}" type="datetimeFigureOut">
               <a:rPr lang="cs-CZ" smtClean="0"/>
               <a:pPr/>
-              <a:t>20.05.2021</a:t>
+              <a:t>21.05.2021</a:t>
             </a:fld>
             <a:endParaRPr lang="cs-CZ"/>
           </a:p>
@@ -5120,7 +5231,7 @@
             <a:fld id="{3182EA2C-DE64-4899-9047-46BACF1514BA}" type="datetimeFigureOut">
               <a:rPr lang="cs-CZ" smtClean="0"/>
               <a:pPr/>
-              <a:t>20.05.2021</a:t>
+              <a:t>21.05.2021</a:t>
             </a:fld>
             <a:endParaRPr lang="cs-CZ"/>
           </a:p>
@@ -5212,7 +5323,7 @@
             <a:fld id="{3182EA2C-DE64-4899-9047-46BACF1514BA}" type="datetimeFigureOut">
               <a:rPr lang="cs-CZ" smtClean="0"/>
               <a:pPr/>
-              <a:t>20.05.2021</a:t>
+              <a:t>21.05.2021</a:t>
             </a:fld>
             <a:endParaRPr lang="cs-CZ"/>
           </a:p>
@@ -5493,7 +5604,7 @@
             <a:fld id="{3182EA2C-DE64-4899-9047-46BACF1514BA}" type="datetimeFigureOut">
               <a:rPr lang="cs-CZ" smtClean="0"/>
               <a:pPr/>
-              <a:t>20.05.2021</a:t>
+              <a:t>21.05.2021</a:t>
             </a:fld>
             <a:endParaRPr lang="cs-CZ"/>
           </a:p>
@@ -5783,7 +5894,7 @@
             <a:fld id="{3182EA2C-DE64-4899-9047-46BACF1514BA}" type="datetimeFigureOut">
               <a:rPr lang="cs-CZ" smtClean="0"/>
               <a:pPr/>
-              <a:t>20.05.2021</a:t>
+              <a:t>21.05.2021</a:t>
             </a:fld>
             <a:endParaRPr lang="cs-CZ"/>
           </a:p>
@@ -6309,7 +6420,7 @@
             <a:fld id="{3182EA2C-DE64-4899-9047-46BACF1514BA}" type="datetimeFigureOut">
               <a:rPr lang="cs-CZ" smtClean="0"/>
               <a:pPr/>
-              <a:t>20.05.2021</a:t>
+              <a:t>21.05.2021</a:t>
             </a:fld>
             <a:endParaRPr lang="cs-CZ"/>
           </a:p>
@@ -7071,6 +7182,130 @@
         </p:nvSpPr>
         <p:spPr>
           <a:xfrm>
+            <a:off x="-714412" y="0"/>
+            <a:ext cx="6173410" cy="1385877"/>
+          </a:xfrm>
+        </p:spPr>
+        <p:txBody>
+          <a:bodyPr/>
+          <a:lstStyle/>
+          <a:p>
+            <a:r>
+              <a:rPr lang="cs-CZ" dirty="0" smtClean="0"/>
+              <a:t>WxPython:</a:t>
+            </a:r>
+            <a:endParaRPr lang="cs-CZ" dirty="0"/>
+          </a:p>
+        </p:txBody>
+      </p:sp>
+      <p:pic>
+        <p:nvPicPr>
+          <p:cNvPr id="6" name="Zástupný symbol pro obsah 5" descr="WxPython-logo.png"/>
+          <p:cNvPicPr>
+            <a:picLocks noGrp="1" noChangeAspect="1"/>
+          </p:cNvPicPr>
+          <p:nvPr>
+            <p:ph idx="1"/>
+          </p:nvPr>
+        </p:nvPicPr>
+        <p:blipFill>
+          <a:blip r:embed="rId2"/>
+          <a:stretch>
+            <a:fillRect/>
+          </a:stretch>
+        </p:blipFill>
+        <p:spPr>
+          <a:xfrm>
+            <a:off x="5857884" y="214290"/>
+            <a:ext cx="2540202" cy="1588781"/>
+          </a:xfrm>
+          <a:prstGeom prst="rect">
+            <a:avLst/>
+          </a:prstGeom>
+          <a:ln>
+            <a:noFill/>
+          </a:ln>
+          <a:effectLst>
+            <a:outerShdw blurRad="292100" dist="139700" dir="2700000" algn="tl" rotWithShape="0">
+              <a:srgbClr val="333333">
+                <a:alpha val="65000"/>
+              </a:srgbClr>
+            </a:outerShdw>
+          </a:effectLst>
+        </p:spPr>
+      </p:pic>
+      <p:pic>
+        <p:nvPicPr>
+          <p:cNvPr id="2050" name="Picture 2"/>
+          <p:cNvPicPr>
+            <a:picLocks noChangeAspect="1" noChangeArrowheads="1"/>
+          </p:cNvPicPr>
+          <p:nvPr/>
+        </p:nvPicPr>
+        <p:blipFill>
+          <a:blip r:embed="rId3"/>
+          <a:srcRect/>
+          <a:stretch>
+            <a:fillRect/>
+          </a:stretch>
+        </p:blipFill>
+        <p:spPr bwMode="auto">
+          <a:xfrm>
+            <a:off x="642910" y="1928802"/>
+            <a:ext cx="6643734" cy="4593006"/>
+          </a:xfrm>
+          <a:prstGeom prst="rect">
+            <a:avLst/>
+          </a:prstGeom>
+          <a:ln>
+            <a:noFill/>
+          </a:ln>
+          <a:effectLst>
+            <a:outerShdw blurRad="292100" dist="139700" dir="2700000" algn="tl" rotWithShape="0">
+              <a:srgbClr val="333333">
+                <a:alpha val="65000"/>
+              </a:srgbClr>
+            </a:outerShdw>
+          </a:effectLst>
+        </p:spPr>
+      </p:pic>
+    </p:spTree>
+  </p:cSld>
+  <p:clrMapOvr>
+    <a:masterClrMapping/>
+  </p:clrMapOvr>
+</p:sld>
+</file>
+
+<file path=ppt/slides/slide3.xml><?xml version="1.0" encoding="utf-8"?>
+<p:sld xmlns:a="http://schemas.openxmlformats.org/drawingml/2006/main" xmlns:r="http://schemas.openxmlformats.org/officeDocument/2006/relationships" xmlns:p="http://schemas.openxmlformats.org/presentationml/2006/main">
+  <p:cSld>
+    <p:spTree>
+      <p:nvGrpSpPr>
+        <p:cNvPr id="1" name=""/>
+        <p:cNvGrpSpPr/>
+        <p:nvPr/>
+      </p:nvGrpSpPr>
+      <p:grpSpPr>
+        <a:xfrm>
+          <a:off x="0" y="0"/>
+          <a:ext cx="0" cy="0"/>
+          <a:chOff x="0" y="0"/>
+          <a:chExt cx="0" cy="0"/>
+        </a:xfrm>
+      </p:grpSpPr>
+      <p:sp>
+        <p:nvSpPr>
+          <p:cNvPr id="2" name="Nadpis 1"/>
+          <p:cNvSpPr>
+            <a:spLocks noGrp="1"/>
+          </p:cNvSpPr>
+          <p:nvPr>
+            <p:ph type="title"/>
+          </p:nvPr>
+        </p:nvSpPr>
+        <p:spPr>
+          <a:xfrm>
             <a:off x="1142976" y="214290"/>
             <a:ext cx="7514035" cy="1752599"/>
           </a:xfrm>
@@ -7211,7 +7446,7 @@
 </p:sld>
 </file>
 
-<file path=ppt/slides/slide3.xml><?xml version="1.0" encoding="utf-8"?>
+<file path=ppt/slides/slide4.xml><?xml version="1.0" encoding="utf-8"?>
 <p:sld xmlns:a="http://schemas.openxmlformats.org/drawingml/2006/main" xmlns:r="http://schemas.openxmlformats.org/officeDocument/2006/relationships" xmlns:p="http://schemas.openxmlformats.org/presentationml/2006/main">
   <p:cSld>
     <p:spTree>
@@ -7301,61 +7536,6 @@
 </p:sld>
 </file>
 
-<file path=ppt/slides/slide4.xml><?xml version="1.0" encoding="utf-8"?>
-<p:sld xmlns:a="http://schemas.openxmlformats.org/drawingml/2006/main" xmlns:r="http://schemas.openxmlformats.org/officeDocument/2006/relationships" xmlns:p="http://schemas.openxmlformats.org/presentationml/2006/main">
-  <p:cSld>
-    <p:spTree>
-      <p:nvGrpSpPr>
-        <p:cNvPr id="1" name=""/>
-        <p:cNvGrpSpPr/>
-        <p:nvPr/>
-      </p:nvGrpSpPr>
-      <p:grpSpPr>
-        <a:xfrm>
-          <a:off x="0" y="0"/>
-          <a:ext cx="0" cy="0"/>
-          <a:chOff x="0" y="0"/>
-          <a:chExt cx="0" cy="0"/>
-        </a:xfrm>
-      </p:grpSpPr>
-      <p:sp>
-        <p:nvSpPr>
-          <p:cNvPr id="3" name="TextovéPole 2"/>
-          <p:cNvSpPr txBox="1"/>
-          <p:nvPr/>
-        </p:nvSpPr>
-        <p:spPr>
-          <a:xfrm>
-            <a:off x="1000100" y="357166"/>
-            <a:ext cx="5786478" cy="707886"/>
-          </a:xfrm>
-          <a:prstGeom prst="rect">
-            <a:avLst/>
-          </a:prstGeom>
-          <a:noFill/>
-        </p:spPr>
-        <p:txBody>
-          <a:bodyPr wrap="square" rtlCol="0">
-            <a:spAutoFit/>
-          </a:bodyPr>
-          <a:lstStyle/>
-          <a:p>
-            <a:r>
-              <a:rPr lang="cs-CZ" sz="4000" dirty="0" smtClean="0"/>
-              <a:t>Práce na obsahu:</a:t>
-            </a:r>
-            <a:endParaRPr lang="cs-CZ" sz="4000" dirty="0"/>
-          </a:p>
-        </p:txBody>
-      </p:sp>
-    </p:spTree>
-  </p:cSld>
-  <p:clrMapOvr>
-    <a:masterClrMapping/>
-  </p:clrMapOvr>
-</p:sld>
-</file>
-
 <file path=ppt/slides/slide5.xml><?xml version="1.0" encoding="utf-8"?>
 <p:sld xmlns:a="http://schemas.openxmlformats.org/drawingml/2006/main" xmlns:r="http://schemas.openxmlformats.org/officeDocument/2006/relationships" xmlns:p="http://schemas.openxmlformats.org/presentationml/2006/main">
   <p:cSld>
@@ -7375,6 +7555,684 @@
       </p:grpSpPr>
       <p:sp>
         <p:nvSpPr>
+          <p:cNvPr id="3" name="TextovéPole 2"/>
+          <p:cNvSpPr txBox="1"/>
+          <p:nvPr/>
+        </p:nvSpPr>
+        <p:spPr>
+          <a:xfrm>
+            <a:off x="1000100" y="357166"/>
+            <a:ext cx="5786478" cy="707886"/>
+          </a:xfrm>
+          <a:prstGeom prst="rect">
+            <a:avLst/>
+          </a:prstGeom>
+          <a:noFill/>
+        </p:spPr>
+        <p:txBody>
+          <a:bodyPr wrap="square" rtlCol="0">
+            <a:spAutoFit/>
+          </a:bodyPr>
+          <a:lstStyle/>
+          <a:p>
+            <a:r>
+              <a:rPr lang="cs-CZ" sz="4000" dirty="0" smtClean="0"/>
+              <a:t>Práce na obsahu:</a:t>
+            </a:r>
+            <a:endParaRPr lang="cs-CZ" sz="4000" dirty="0"/>
+          </a:p>
+        </p:txBody>
+      </p:sp>
+      <p:pic>
+        <p:nvPicPr>
+          <p:cNvPr id="1026" name="Picture 2"/>
+          <p:cNvPicPr>
+            <a:picLocks noChangeAspect="1" noChangeArrowheads="1"/>
+          </p:cNvPicPr>
+          <p:nvPr/>
+        </p:nvPicPr>
+        <p:blipFill>
+          <a:blip r:embed="rId3"/>
+          <a:srcRect/>
+          <a:stretch>
+            <a:fillRect/>
+          </a:stretch>
+        </p:blipFill>
+        <p:spPr bwMode="auto">
+          <a:xfrm>
+            <a:off x="285720" y="1428736"/>
+            <a:ext cx="8643998" cy="1087455"/>
+          </a:xfrm>
+          <a:prstGeom prst="rect">
+            <a:avLst/>
+          </a:prstGeom>
+          <a:ln>
+            <a:noFill/>
+          </a:ln>
+          <a:effectLst>
+            <a:outerShdw blurRad="292100" dist="139700" dir="2700000" algn="tl" rotWithShape="0">
+              <a:srgbClr val="333333">
+                <a:alpha val="65000"/>
+              </a:srgbClr>
+            </a:outerShdw>
+          </a:effectLst>
+        </p:spPr>
+      </p:pic>
+      <p:sp>
+        <p:nvSpPr>
+          <p:cNvPr id="4" name="TextovéPole 3"/>
+          <p:cNvSpPr txBox="1"/>
+          <p:nvPr/>
+        </p:nvSpPr>
+        <p:spPr>
+          <a:xfrm>
+            <a:off x="1071538" y="1071546"/>
+            <a:ext cx="2071702" cy="369332"/>
+          </a:xfrm>
+          <a:prstGeom prst="rect">
+            <a:avLst/>
+          </a:prstGeom>
+          <a:noFill/>
+        </p:spPr>
+        <p:txBody>
+          <a:bodyPr wrap="square" rtlCol="0">
+            <a:spAutoFit/>
+          </a:bodyPr>
+          <a:lstStyle/>
+          <a:p>
+            <a:r>
+              <a:rPr lang="cs-CZ" dirty="0" smtClean="0"/>
+              <a:t>Názorné příklady:</a:t>
+            </a:r>
+            <a:endParaRPr lang="cs-CZ" dirty="0"/>
+          </a:p>
+        </p:txBody>
+      </p:sp>
+      <p:pic>
+        <p:nvPicPr>
+          <p:cNvPr id="1032" name="Picture 8" descr="D:\aŠKOLA\maturitní práce\img\kal1.png"/>
+          <p:cNvPicPr>
+            <a:picLocks noChangeAspect="1" noChangeArrowheads="1"/>
+          </p:cNvPicPr>
+          <p:nvPr/>
+        </p:nvPicPr>
+        <p:blipFill>
+          <a:blip r:embed="rId4"/>
+          <a:srcRect/>
+          <a:stretch>
+            <a:fillRect/>
+          </a:stretch>
+        </p:blipFill>
+        <p:spPr bwMode="auto">
+          <a:xfrm>
+            <a:off x="142844" y="3214686"/>
+            <a:ext cx="2857520" cy="3161337"/>
+          </a:xfrm>
+          <a:prstGeom prst="rect">
+            <a:avLst/>
+          </a:prstGeom>
+          <a:ln>
+            <a:noFill/>
+          </a:ln>
+          <a:effectLst>
+            <a:outerShdw blurRad="292100" dist="139700" dir="2700000" algn="tl" rotWithShape="0">
+              <a:srgbClr val="333333">
+                <a:alpha val="65000"/>
+              </a:srgbClr>
+            </a:outerShdw>
+          </a:effectLst>
+        </p:spPr>
+      </p:pic>
+      <p:sp>
+        <p:nvSpPr>
+          <p:cNvPr id="12" name="TextovéPole 11"/>
+          <p:cNvSpPr txBox="1"/>
+          <p:nvPr/>
+        </p:nvSpPr>
+        <p:spPr>
+          <a:xfrm>
+            <a:off x="785786" y="2714620"/>
+            <a:ext cx="571504" cy="523220"/>
+          </a:xfrm>
+          <a:prstGeom prst="rect">
+            <a:avLst/>
+          </a:prstGeom>
+          <a:noFill/>
+        </p:spPr>
+        <p:txBody>
+          <a:bodyPr wrap="square" rtlCol="0">
+            <a:spAutoFit/>
+          </a:bodyPr>
+          <a:lstStyle/>
+          <a:p>
+            <a:r>
+              <a:rPr lang="cs-CZ" sz="2800" dirty="0" smtClean="0"/>
+              <a:t>1:</a:t>
+            </a:r>
+            <a:endParaRPr lang="cs-CZ" sz="2800" dirty="0"/>
+          </a:p>
+        </p:txBody>
+      </p:sp>
+      <p:pic>
+        <p:nvPicPr>
+          <p:cNvPr id="1033" name="Picture 9" descr="D:\aŠKOLA\maturitní práce\img\mix1.png"/>
+          <p:cNvPicPr>
+            <a:picLocks noChangeAspect="1" noChangeArrowheads="1"/>
+          </p:cNvPicPr>
+          <p:nvPr/>
+        </p:nvPicPr>
+        <p:blipFill>
+          <a:blip r:embed="rId5"/>
+          <a:srcRect/>
+          <a:stretch>
+            <a:fillRect/>
+          </a:stretch>
+        </p:blipFill>
+        <p:spPr bwMode="auto">
+          <a:xfrm>
+            <a:off x="3571868" y="2857496"/>
+            <a:ext cx="2286016" cy="1900551"/>
+          </a:xfrm>
+          <a:prstGeom prst="rect">
+            <a:avLst/>
+          </a:prstGeom>
+          <a:ln>
+            <a:noFill/>
+          </a:ln>
+          <a:effectLst>
+            <a:outerShdw blurRad="292100" dist="139700" dir="2700000" algn="tl" rotWithShape="0">
+              <a:srgbClr val="333333">
+                <a:alpha val="65000"/>
+              </a:srgbClr>
+            </a:outerShdw>
+          </a:effectLst>
+        </p:spPr>
+      </p:pic>
+      <p:pic>
+        <p:nvPicPr>
+          <p:cNvPr id="1034" name="Picture 10" descr="D:\aŠKOLA\maturitní práce\img\mix3.png"/>
+          <p:cNvPicPr>
+            <a:picLocks noChangeAspect="1" noChangeArrowheads="1"/>
+          </p:cNvPicPr>
+          <p:nvPr/>
+        </p:nvPicPr>
+        <p:blipFill>
+          <a:blip r:embed="rId6"/>
+          <a:srcRect/>
+          <a:stretch>
+            <a:fillRect/>
+          </a:stretch>
+        </p:blipFill>
+        <p:spPr bwMode="auto">
+          <a:xfrm>
+            <a:off x="3571868" y="4857760"/>
+            <a:ext cx="2286016" cy="1835740"/>
+          </a:xfrm>
+          <a:prstGeom prst="rect">
+            <a:avLst/>
+          </a:prstGeom>
+          <a:ln>
+            <a:noFill/>
+          </a:ln>
+          <a:effectLst>
+            <a:outerShdw blurRad="292100" dist="139700" dir="2700000" algn="tl" rotWithShape="0">
+              <a:srgbClr val="333333">
+                <a:alpha val="65000"/>
+              </a:srgbClr>
+            </a:outerShdw>
+          </a:effectLst>
+        </p:spPr>
+      </p:pic>
+      <p:sp>
+        <p:nvSpPr>
+          <p:cNvPr id="15" name="TextovéPole 14"/>
+          <p:cNvSpPr txBox="1"/>
+          <p:nvPr/>
+        </p:nvSpPr>
+        <p:spPr>
+          <a:xfrm>
+            <a:off x="3143240" y="2714620"/>
+            <a:ext cx="714380" cy="523220"/>
+          </a:xfrm>
+          <a:prstGeom prst="rect">
+            <a:avLst/>
+          </a:prstGeom>
+          <a:noFill/>
+        </p:spPr>
+        <p:txBody>
+          <a:bodyPr wrap="square" rtlCol="0">
+            <a:spAutoFit/>
+          </a:bodyPr>
+          <a:lstStyle/>
+          <a:p>
+            <a:r>
+              <a:rPr lang="cs-CZ" sz="2800" dirty="0" smtClean="0"/>
+              <a:t>2:</a:t>
+            </a:r>
+            <a:endParaRPr lang="cs-CZ" sz="2800" dirty="0"/>
+          </a:p>
+        </p:txBody>
+      </p:sp>
+      <p:sp>
+        <p:nvSpPr>
+          <p:cNvPr id="16" name="TextovéPole 15"/>
+          <p:cNvSpPr txBox="1"/>
+          <p:nvPr/>
+        </p:nvSpPr>
+        <p:spPr>
+          <a:xfrm>
+            <a:off x="6143636" y="2714620"/>
+            <a:ext cx="714380" cy="523220"/>
+          </a:xfrm>
+          <a:prstGeom prst="rect">
+            <a:avLst/>
+          </a:prstGeom>
+          <a:noFill/>
+        </p:spPr>
+        <p:txBody>
+          <a:bodyPr wrap="square" rtlCol="0">
+            <a:spAutoFit/>
+          </a:bodyPr>
+          <a:lstStyle/>
+          <a:p>
+            <a:r>
+              <a:rPr lang="cs-CZ" sz="2800" dirty="0" smtClean="0"/>
+              <a:t>3:</a:t>
+            </a:r>
+            <a:endParaRPr lang="cs-CZ" sz="2800" dirty="0"/>
+          </a:p>
+        </p:txBody>
+      </p:sp>
+      <p:pic>
+        <p:nvPicPr>
+          <p:cNvPr id="1035" name="Picture 11" descr="D:\aŠKOLA\maturitní práce\img\mult2.png"/>
+          <p:cNvPicPr>
+            <a:picLocks noChangeAspect="1" noChangeArrowheads="1"/>
+          </p:cNvPicPr>
+          <p:nvPr/>
+        </p:nvPicPr>
+        <p:blipFill>
+          <a:blip r:embed="rId7"/>
+          <a:srcRect/>
+          <a:stretch>
+            <a:fillRect/>
+          </a:stretch>
+        </p:blipFill>
+        <p:spPr bwMode="auto">
+          <a:xfrm>
+            <a:off x="6215074" y="3286124"/>
+            <a:ext cx="2724150" cy="2790825"/>
+          </a:xfrm>
+          <a:prstGeom prst="rect">
+            <a:avLst/>
+          </a:prstGeom>
+          <a:noFill/>
+        </p:spPr>
+      </p:pic>
+    </p:spTree>
+  </p:cSld>
+  <p:clrMapOvr>
+    <a:masterClrMapping/>
+  </p:clrMapOvr>
+</p:sld>
+</file>
+
+<file path=ppt/slides/slide6.xml><?xml version="1.0" encoding="utf-8"?>
+<p:sld xmlns:a="http://schemas.openxmlformats.org/drawingml/2006/main" xmlns:r="http://schemas.openxmlformats.org/officeDocument/2006/relationships" xmlns:p="http://schemas.openxmlformats.org/presentationml/2006/main">
+  <p:cSld>
+    <p:spTree>
+      <p:nvGrpSpPr>
+        <p:cNvPr id="1" name=""/>
+        <p:cNvGrpSpPr/>
+        <p:nvPr/>
+      </p:nvGrpSpPr>
+      <p:grpSpPr>
+        <a:xfrm>
+          <a:off x="0" y="0"/>
+          <a:ext cx="0" cy="0"/>
+          <a:chOff x="0" y="0"/>
+          <a:chExt cx="0" cy="0"/>
+        </a:xfrm>
+      </p:grpSpPr>
+      <p:sp>
+        <p:nvSpPr>
+          <p:cNvPr id="3" name="TextovéPole 2"/>
+          <p:cNvSpPr txBox="1"/>
+          <p:nvPr/>
+        </p:nvSpPr>
+        <p:spPr>
+          <a:xfrm>
+            <a:off x="1000100" y="357166"/>
+            <a:ext cx="5786478" cy="707886"/>
+          </a:xfrm>
+          <a:prstGeom prst="rect">
+            <a:avLst/>
+          </a:prstGeom>
+          <a:noFill/>
+        </p:spPr>
+        <p:txBody>
+          <a:bodyPr wrap="square" rtlCol="0">
+            <a:spAutoFit/>
+          </a:bodyPr>
+          <a:lstStyle/>
+          <a:p>
+            <a:r>
+              <a:rPr lang="cs-CZ" sz="4000" dirty="0" smtClean="0"/>
+              <a:t>Práce na obsahu:</a:t>
+            </a:r>
+            <a:endParaRPr lang="cs-CZ" sz="4000" dirty="0"/>
+          </a:p>
+        </p:txBody>
+      </p:sp>
+      <p:sp>
+        <p:nvSpPr>
+          <p:cNvPr id="6" name="TextovéPole 5"/>
+          <p:cNvSpPr txBox="1"/>
+          <p:nvPr/>
+        </p:nvSpPr>
+        <p:spPr>
+          <a:xfrm>
+            <a:off x="928662" y="1000108"/>
+            <a:ext cx="2500330" cy="369332"/>
+          </a:xfrm>
+          <a:prstGeom prst="rect">
+            <a:avLst/>
+          </a:prstGeom>
+          <a:noFill/>
+        </p:spPr>
+        <p:txBody>
+          <a:bodyPr wrap="square" rtlCol="0">
+            <a:spAutoFit/>
+          </a:bodyPr>
+          <a:lstStyle/>
+          <a:p>
+            <a:r>
+              <a:rPr lang="cs-CZ" dirty="0" smtClean="0"/>
+              <a:t>Ostatní:</a:t>
+            </a:r>
+          </a:p>
+        </p:txBody>
+      </p:sp>
+      <p:pic>
+        <p:nvPicPr>
+          <p:cNvPr id="1028" name="Picture 4"/>
+          <p:cNvPicPr>
+            <a:picLocks noChangeAspect="1" noChangeArrowheads="1"/>
+          </p:cNvPicPr>
+          <p:nvPr/>
+        </p:nvPicPr>
+        <p:blipFill>
+          <a:blip r:embed="rId3"/>
+          <a:srcRect/>
+          <a:stretch>
+            <a:fillRect/>
+          </a:stretch>
+        </p:blipFill>
+        <p:spPr bwMode="auto">
+          <a:xfrm>
+            <a:off x="285720" y="1714488"/>
+            <a:ext cx="8612187" cy="390525"/>
+          </a:xfrm>
+          <a:prstGeom prst="rect">
+            <a:avLst/>
+          </a:prstGeom>
+          <a:noFill/>
+          <a:ln w="9525">
+            <a:noFill/>
+            <a:miter lim="800000"/>
+            <a:headEnd/>
+            <a:tailEnd/>
+          </a:ln>
+          <a:effectLst/>
+        </p:spPr>
+      </p:pic>
+      <p:pic>
+        <p:nvPicPr>
+          <p:cNvPr id="1029" name="Picture 5"/>
+          <p:cNvPicPr>
+            <a:picLocks noChangeAspect="1" noChangeArrowheads="1"/>
+          </p:cNvPicPr>
+          <p:nvPr/>
+        </p:nvPicPr>
+        <p:blipFill>
+          <a:blip r:embed="rId4"/>
+          <a:srcRect/>
+          <a:stretch>
+            <a:fillRect/>
+          </a:stretch>
+        </p:blipFill>
+        <p:spPr bwMode="auto">
+          <a:xfrm>
+            <a:off x="285720" y="1357298"/>
+            <a:ext cx="8612187" cy="361950"/>
+          </a:xfrm>
+          <a:prstGeom prst="rect">
+            <a:avLst/>
+          </a:prstGeom>
+          <a:noFill/>
+          <a:ln w="9525">
+            <a:noFill/>
+            <a:miter lim="800000"/>
+            <a:headEnd/>
+            <a:tailEnd/>
+          </a:ln>
+          <a:effectLst/>
+        </p:spPr>
+      </p:pic>
+      <p:pic>
+        <p:nvPicPr>
+          <p:cNvPr id="1030" name="Picture 6"/>
+          <p:cNvPicPr>
+            <a:picLocks noChangeAspect="1" noChangeArrowheads="1"/>
+          </p:cNvPicPr>
+          <p:nvPr/>
+        </p:nvPicPr>
+        <p:blipFill>
+          <a:blip r:embed="rId5"/>
+          <a:srcRect/>
+          <a:stretch>
+            <a:fillRect/>
+          </a:stretch>
+        </p:blipFill>
+        <p:spPr bwMode="auto">
+          <a:xfrm>
+            <a:off x="571472" y="2643182"/>
+            <a:ext cx="8021801" cy="2857520"/>
+          </a:xfrm>
+          <a:prstGeom prst="rect">
+            <a:avLst/>
+          </a:prstGeom>
+          <a:ln>
+            <a:noFill/>
+          </a:ln>
+          <a:effectLst>
+            <a:outerShdw blurRad="292100" dist="139700" dir="2700000" algn="tl" rotWithShape="0">
+              <a:srgbClr val="333333">
+                <a:alpha val="65000"/>
+              </a:srgbClr>
+            </a:outerShdw>
+          </a:effectLst>
+        </p:spPr>
+      </p:pic>
+    </p:spTree>
+  </p:cSld>
+  <p:clrMapOvr>
+    <a:masterClrMapping/>
+  </p:clrMapOvr>
+</p:sld>
+</file>
+
+<file path=ppt/slides/slide7.xml><?xml version="1.0" encoding="utf-8"?>
+<p:sld xmlns:a="http://schemas.openxmlformats.org/drawingml/2006/main" xmlns:r="http://schemas.openxmlformats.org/officeDocument/2006/relationships" xmlns:p="http://schemas.openxmlformats.org/presentationml/2006/main">
+  <p:cSld>
+    <p:spTree>
+      <p:nvGrpSpPr>
+        <p:cNvPr id="1" name=""/>
+        <p:cNvGrpSpPr/>
+        <p:nvPr/>
+      </p:nvGrpSpPr>
+      <p:grpSpPr>
+        <a:xfrm>
+          <a:off x="0" y="0"/>
+          <a:ext cx="0" cy="0"/>
+          <a:chOff x="0" y="0"/>
+          <a:chExt cx="0" cy="0"/>
+        </a:xfrm>
+      </p:grpSpPr>
+      <p:sp>
+        <p:nvSpPr>
+          <p:cNvPr id="3" name="TextovéPole 2"/>
+          <p:cNvSpPr txBox="1"/>
+          <p:nvPr/>
+        </p:nvSpPr>
+        <p:spPr>
+          <a:xfrm>
+            <a:off x="1000100" y="357166"/>
+            <a:ext cx="5786478" cy="707886"/>
+          </a:xfrm>
+          <a:prstGeom prst="rect">
+            <a:avLst/>
+          </a:prstGeom>
+          <a:noFill/>
+        </p:spPr>
+        <p:txBody>
+          <a:bodyPr wrap="square" rtlCol="0">
+            <a:spAutoFit/>
+          </a:bodyPr>
+          <a:lstStyle/>
+          <a:p>
+            <a:r>
+              <a:rPr lang="cs-CZ" sz="4000" dirty="0" smtClean="0"/>
+              <a:t>Práce na obsahu:</a:t>
+            </a:r>
+            <a:endParaRPr lang="cs-CZ" sz="4000" dirty="0"/>
+          </a:p>
+        </p:txBody>
+      </p:sp>
+      <p:sp>
+        <p:nvSpPr>
+          <p:cNvPr id="6" name="TextovéPole 5"/>
+          <p:cNvSpPr txBox="1"/>
+          <p:nvPr/>
+        </p:nvSpPr>
+        <p:spPr>
+          <a:xfrm>
+            <a:off x="1000100" y="1000108"/>
+            <a:ext cx="2500330" cy="369332"/>
+          </a:xfrm>
+          <a:prstGeom prst="rect">
+            <a:avLst/>
+          </a:prstGeom>
+          <a:noFill/>
+        </p:spPr>
+        <p:txBody>
+          <a:bodyPr wrap="square" rtlCol="0">
+            <a:spAutoFit/>
+          </a:bodyPr>
+          <a:lstStyle/>
+          <a:p>
+            <a:r>
+              <a:rPr lang="cs-CZ" dirty="0" smtClean="0"/>
+              <a:t>WxGlade:</a:t>
+            </a:r>
+          </a:p>
+        </p:txBody>
+      </p:sp>
+      <p:pic>
+        <p:nvPicPr>
+          <p:cNvPr id="3074" name="Picture 2" descr="D:\aŠKOLA\maturitní práce\img\glademain.png"/>
+          <p:cNvPicPr>
+            <a:picLocks noChangeAspect="1" noChangeArrowheads="1"/>
+          </p:cNvPicPr>
+          <p:nvPr/>
+        </p:nvPicPr>
+        <p:blipFill>
+          <a:blip r:embed="rId3"/>
+          <a:srcRect/>
+          <a:stretch>
+            <a:fillRect/>
+          </a:stretch>
+        </p:blipFill>
+        <p:spPr bwMode="auto">
+          <a:xfrm>
+            <a:off x="2143108" y="2214554"/>
+            <a:ext cx="4845833" cy="4440048"/>
+          </a:xfrm>
+          <a:prstGeom prst="rect">
+            <a:avLst/>
+          </a:prstGeom>
+          <a:ln>
+            <a:noFill/>
+          </a:ln>
+          <a:effectLst>
+            <a:outerShdw blurRad="292100" dist="139700" dir="2700000" algn="tl" rotWithShape="0">
+              <a:srgbClr val="333333">
+                <a:alpha val="65000"/>
+              </a:srgbClr>
+            </a:outerShdw>
+          </a:effectLst>
+        </p:spPr>
+      </p:pic>
+      <p:pic>
+        <p:nvPicPr>
+          <p:cNvPr id="4098" name="Picture 2"/>
+          <p:cNvPicPr>
+            <a:picLocks noChangeAspect="1" noChangeArrowheads="1"/>
+          </p:cNvPicPr>
+          <p:nvPr/>
+        </p:nvPicPr>
+        <p:blipFill>
+          <a:blip r:embed="rId4"/>
+          <a:srcRect/>
+          <a:stretch>
+            <a:fillRect/>
+          </a:stretch>
+        </p:blipFill>
+        <p:spPr bwMode="auto">
+          <a:xfrm>
+            <a:off x="428596" y="1357298"/>
+            <a:ext cx="8612187" cy="733425"/>
+          </a:xfrm>
+          <a:prstGeom prst="rect">
+            <a:avLst/>
+          </a:prstGeom>
+          <a:noFill/>
+          <a:ln w="9525">
+            <a:noFill/>
+            <a:miter lim="800000"/>
+            <a:headEnd/>
+            <a:tailEnd/>
+          </a:ln>
+          <a:effectLst/>
+        </p:spPr>
+      </p:pic>
+    </p:spTree>
+  </p:cSld>
+  <p:clrMapOvr>
+    <a:masterClrMapping/>
+  </p:clrMapOvr>
+</p:sld>
+</file>
+
+<file path=ppt/slides/slide8.xml><?xml version="1.0" encoding="utf-8"?>
+<p:sld xmlns:a="http://schemas.openxmlformats.org/drawingml/2006/main" xmlns:r="http://schemas.openxmlformats.org/officeDocument/2006/relationships" xmlns:p="http://schemas.openxmlformats.org/presentationml/2006/main">
+  <p:cSld>
+    <p:spTree>
+      <p:nvGrpSpPr>
+        <p:cNvPr id="1" name=""/>
+        <p:cNvGrpSpPr/>
+        <p:nvPr/>
+      </p:nvGrpSpPr>
+      <p:grpSpPr>
+        <a:xfrm>
+          <a:off x="0" y="0"/>
+          <a:ext cx="0" cy="0"/>
+          <a:chOff x="0" y="0"/>
+          <a:chExt cx="0" cy="0"/>
+        </a:xfrm>
+      </p:grpSpPr>
+      <p:sp>
+        <p:nvSpPr>
           <p:cNvPr id="2" name="Nadpis 1"/>
           <p:cNvSpPr txBox="1">
             <a:spLocks/>
@@ -7453,7 +8311,7 @@
 </p:sld>
 </file>
 
-<file path=ppt/slides/slide6.xml><?xml version="1.0" encoding="utf-8"?>
+<file path=ppt/slides/slide9.xml><?xml version="1.0" encoding="utf-8"?>
 <p:sld xmlns:a="http://schemas.openxmlformats.org/drawingml/2006/main" xmlns:r="http://schemas.openxmlformats.org/officeDocument/2006/relationships" xmlns:p="http://schemas.openxmlformats.org/presentationml/2006/main">
   <p:cSld>
     <p:spTree>
@@ -7794,7 +8652,7 @@
   <a:extraClrSchemeLst/>
   <a:extLst>
     <a:ext uri="{05A4C25C-085E-4340-85A3-A5531E510DB2}">
-      <thm15:themeFamily xmlns="" xmlns:thm15="http://schemas.microsoft.com/office/thememl/2012/main" name="Office_36804475_TF22644756.potx" id="{F397E5FB-1475-4A2B-A118-C3E33793FB85}" vid="{9CC913D8-D7AD-4BF9-92C5-3F646CD0259E}"/>
+      <thm15:themeFamily xmlns:thm15="http://schemas.microsoft.com/office/thememl/2012/main" xmlns="" name="Office_36804475_TF22644756.potx" id="{F397E5FB-1475-4A2B-A118-C3E33793FB85}" vid="{9CC913D8-D7AD-4BF9-92C5-3F646CD0259E}"/>
     </a:ext>
   </a:extLst>
 </a:theme>

--- a/Dokumentace/DPM prezentace.pptx
+++ b/Dokumentace/DPM prezentace.pptx
@@ -5,7 +5,7 @@
     <p:sldMasterId id="2147483732" r:id="rId1"/>
   </p:sldMasterIdLst>
   <p:notesMasterIdLst>
-    <p:notesMasterId r:id="rId11"/>
+    <p:notesMasterId r:id="rId12"/>
   </p:notesMasterIdLst>
   <p:sldIdLst>
     <p:sldId id="256" r:id="rId2"/>
@@ -16,7 +16,8 @@
     <p:sldId id="266" r:id="rId7"/>
     <p:sldId id="268" r:id="rId8"/>
     <p:sldId id="263" r:id="rId9"/>
-    <p:sldId id="262" r:id="rId10"/>
+    <p:sldId id="269" r:id="rId10"/>
+    <p:sldId id="262" r:id="rId11"/>
   </p:sldIdLst>
   <p:sldSz cx="9144000" cy="6858000" type="screen4x3"/>
   <p:notesSz cx="6858000" cy="9144000"/>
@@ -201,7 +202,7 @@
             <a:fld id="{B46FDC96-AACE-4105-A078-52873064FFD3}" type="datetimeFigureOut">
               <a:rPr lang="cs-CZ" smtClean="0"/>
               <a:pPr/>
-              <a:t>21.05.2021</a:t>
+              <a:t>22.05.2021</a:t>
             </a:fld>
             <a:endParaRPr lang="cs-CZ"/>
           </a:p>
@@ -1464,7 +1465,7 @@
             <a:fld id="{3182EA2C-DE64-4899-9047-46BACF1514BA}" type="datetimeFigureOut">
               <a:rPr lang="cs-CZ" smtClean="0"/>
               <a:pPr/>
-              <a:t>21.05.2021</a:t>
+              <a:t>22.05.2021</a:t>
             </a:fld>
             <a:endParaRPr lang="cs-CZ"/>
           </a:p>
@@ -1759,7 +1760,7 @@
             <a:fld id="{3182EA2C-DE64-4899-9047-46BACF1514BA}" type="datetimeFigureOut">
               <a:rPr lang="cs-CZ" smtClean="0"/>
               <a:pPr/>
-              <a:t>21.05.2021</a:t>
+              <a:t>22.05.2021</a:t>
             </a:fld>
             <a:endParaRPr lang="cs-CZ"/>
           </a:p>
@@ -2005,7 +2006,7 @@
             <a:fld id="{3182EA2C-DE64-4899-9047-46BACF1514BA}" type="datetimeFigureOut">
               <a:rPr lang="cs-CZ" smtClean="0"/>
               <a:pPr/>
-              <a:t>21.05.2021</a:t>
+              <a:t>22.05.2021</a:t>
             </a:fld>
             <a:endParaRPr lang="cs-CZ"/>
           </a:p>
@@ -2543,7 +2544,7 @@
             <a:fld id="{3182EA2C-DE64-4899-9047-46BACF1514BA}" type="datetimeFigureOut">
               <a:rPr lang="cs-CZ" smtClean="0"/>
               <a:pPr/>
-              <a:t>21.05.2021</a:t>
+              <a:t>22.05.2021</a:t>
             </a:fld>
             <a:endParaRPr lang="cs-CZ"/>
           </a:p>
@@ -2789,7 +2790,7 @@
             <a:fld id="{3182EA2C-DE64-4899-9047-46BACF1514BA}" type="datetimeFigureOut">
               <a:rPr lang="cs-CZ" smtClean="0"/>
               <a:pPr/>
-              <a:t>21.05.2021</a:t>
+              <a:t>22.05.2021</a:t>
             </a:fld>
             <a:endParaRPr lang="cs-CZ"/>
           </a:p>
@@ -3319,7 +3320,7 @@
             <a:fld id="{3182EA2C-DE64-4899-9047-46BACF1514BA}" type="datetimeFigureOut">
               <a:rPr lang="cs-CZ" smtClean="0"/>
               <a:pPr/>
-              <a:t>21.05.2021</a:t>
+              <a:t>22.05.2021</a:t>
             </a:fld>
             <a:endParaRPr lang="cs-CZ"/>
           </a:p>
@@ -3613,7 +3614,7 @@
             <a:fld id="{3182EA2C-DE64-4899-9047-46BACF1514BA}" type="datetimeFigureOut">
               <a:rPr lang="cs-CZ" smtClean="0"/>
               <a:pPr/>
-              <a:t>21.05.2021</a:t>
+              <a:t>22.05.2021</a:t>
             </a:fld>
             <a:endParaRPr lang="cs-CZ"/>
           </a:p>
@@ -3785,7 +3786,7 @@
             <a:fld id="{3182EA2C-DE64-4899-9047-46BACF1514BA}" type="datetimeFigureOut">
               <a:rPr lang="cs-CZ" smtClean="0"/>
               <a:pPr/>
-              <a:t>21.05.2021</a:t>
+              <a:t>22.05.2021</a:t>
             </a:fld>
             <a:endParaRPr lang="cs-CZ"/>
           </a:p>
@@ -3963,7 +3964,7 @@
             <a:fld id="{3182EA2C-DE64-4899-9047-46BACF1514BA}" type="datetimeFigureOut">
               <a:rPr lang="cs-CZ" smtClean="0"/>
               <a:pPr/>
-              <a:t>21.05.2021</a:t>
+              <a:t>22.05.2021</a:t>
             </a:fld>
             <a:endParaRPr lang="cs-CZ"/>
           </a:p>
@@ -4131,7 +4132,7 @@
             <a:fld id="{3182EA2C-DE64-4899-9047-46BACF1514BA}" type="datetimeFigureOut">
               <a:rPr lang="cs-CZ" smtClean="0"/>
               <a:pPr/>
-              <a:t>21.05.2021</a:t>
+              <a:t>22.05.2021</a:t>
             </a:fld>
             <a:endParaRPr lang="cs-CZ"/>
           </a:p>
@@ -4380,7 +4381,7 @@
             <a:fld id="{3182EA2C-DE64-4899-9047-46BACF1514BA}" type="datetimeFigureOut">
               <a:rPr lang="cs-CZ" smtClean="0"/>
               <a:pPr/>
-              <a:t>21.05.2021</a:t>
+              <a:t>22.05.2021</a:t>
             </a:fld>
             <a:endParaRPr lang="cs-CZ"/>
           </a:p>
@@ -4675,7 +4676,7 @@
             <a:fld id="{3182EA2C-DE64-4899-9047-46BACF1514BA}" type="datetimeFigureOut">
               <a:rPr lang="cs-CZ" smtClean="0"/>
               <a:pPr/>
-              <a:t>21.05.2021</a:t>
+              <a:t>22.05.2021</a:t>
             </a:fld>
             <a:endParaRPr lang="cs-CZ"/>
           </a:p>
@@ -5115,7 +5116,7 @@
             <a:fld id="{3182EA2C-DE64-4899-9047-46BACF1514BA}" type="datetimeFigureOut">
               <a:rPr lang="cs-CZ" smtClean="0"/>
               <a:pPr/>
-              <a:t>21.05.2021</a:t>
+              <a:t>22.05.2021</a:t>
             </a:fld>
             <a:endParaRPr lang="cs-CZ"/>
           </a:p>
@@ -5231,7 +5232,7 @@
             <a:fld id="{3182EA2C-DE64-4899-9047-46BACF1514BA}" type="datetimeFigureOut">
               <a:rPr lang="cs-CZ" smtClean="0"/>
               <a:pPr/>
-              <a:t>21.05.2021</a:t>
+              <a:t>22.05.2021</a:t>
             </a:fld>
             <a:endParaRPr lang="cs-CZ"/>
           </a:p>
@@ -5323,7 +5324,7 @@
             <a:fld id="{3182EA2C-DE64-4899-9047-46BACF1514BA}" type="datetimeFigureOut">
               <a:rPr lang="cs-CZ" smtClean="0"/>
               <a:pPr/>
-              <a:t>21.05.2021</a:t>
+              <a:t>22.05.2021</a:t>
             </a:fld>
             <a:endParaRPr lang="cs-CZ"/>
           </a:p>
@@ -5604,7 +5605,7 @@
             <a:fld id="{3182EA2C-DE64-4899-9047-46BACF1514BA}" type="datetimeFigureOut">
               <a:rPr lang="cs-CZ" smtClean="0"/>
               <a:pPr/>
-              <a:t>21.05.2021</a:t>
+              <a:t>22.05.2021</a:t>
             </a:fld>
             <a:endParaRPr lang="cs-CZ"/>
           </a:p>
@@ -5894,7 +5895,7 @@
             <a:fld id="{3182EA2C-DE64-4899-9047-46BACF1514BA}" type="datetimeFigureOut">
               <a:rPr lang="cs-CZ" smtClean="0"/>
               <a:pPr/>
-              <a:t>21.05.2021</a:t>
+              <a:t>22.05.2021</a:t>
             </a:fld>
             <a:endParaRPr lang="cs-CZ"/>
           </a:p>
@@ -6420,7 +6421,7 @@
             <a:fld id="{3182EA2C-DE64-4899-9047-46BACF1514BA}" type="datetimeFigureOut">
               <a:rPr lang="cs-CZ" smtClean="0"/>
               <a:pPr/>
-              <a:t>21.05.2021</a:t>
+              <a:t>22.05.2021</a:t>
             </a:fld>
             <a:endParaRPr lang="cs-CZ"/>
           </a:p>
@@ -7153,6 +7154,97 @@
 </p:sld>
 </file>
 
+<file path=ppt/slides/slide10.xml><?xml version="1.0" encoding="utf-8"?>
+<p:sld xmlns:a="http://schemas.openxmlformats.org/drawingml/2006/main" xmlns:r="http://schemas.openxmlformats.org/officeDocument/2006/relationships" xmlns:p="http://schemas.openxmlformats.org/presentationml/2006/main">
+  <p:cSld>
+    <p:spTree>
+      <p:nvGrpSpPr>
+        <p:cNvPr id="1" name=""/>
+        <p:cNvGrpSpPr/>
+        <p:nvPr/>
+      </p:nvGrpSpPr>
+      <p:grpSpPr>
+        <a:xfrm>
+          <a:off x="0" y="0"/>
+          <a:ext cx="0" cy="0"/>
+          <a:chOff x="0" y="0"/>
+          <a:chExt cx="0" cy="0"/>
+        </a:xfrm>
+      </p:grpSpPr>
+      <p:sp>
+        <p:nvSpPr>
+          <p:cNvPr id="2" name="Nadpis 1"/>
+          <p:cNvSpPr>
+            <a:spLocks noGrp="1"/>
+          </p:cNvSpPr>
+          <p:nvPr>
+            <p:ph type="title"/>
+          </p:nvPr>
+        </p:nvSpPr>
+        <p:spPr/>
+        <p:txBody>
+          <a:bodyPr>
+            <a:normAutofit/>
+          </a:bodyPr>
+          <a:lstStyle/>
+          <a:p>
+            <a:r>
+              <a:rPr lang="cs-CZ" sz="6600" dirty="0" smtClean="0"/>
+              <a:t>Děkuji za pozornost</a:t>
+            </a:r>
+            <a:endParaRPr lang="cs-CZ" sz="6600" dirty="0"/>
+          </a:p>
+        </p:txBody>
+      </p:sp>
+      <p:pic>
+        <p:nvPicPr>
+          <p:cNvPr id="4" name="Obrázek 3" descr="wxtutorial_logo.png"/>
+          <p:cNvPicPr>
+            <a:picLocks noChangeAspect="1"/>
+          </p:cNvPicPr>
+          <p:nvPr/>
+        </p:nvPicPr>
+        <p:blipFill>
+          <a:blip r:embed="rId2" cstate="print"/>
+          <a:stretch>
+            <a:fillRect/>
+          </a:stretch>
+        </p:blipFill>
+        <p:spPr>
+          <a:xfrm>
+            <a:off x="1142976" y="3643314"/>
+            <a:ext cx="7403857" cy="2614835"/>
+          </a:xfrm>
+          <a:prstGeom prst="rect">
+            <a:avLst/>
+          </a:prstGeom>
+          <a:ln>
+            <a:noFill/>
+          </a:ln>
+          <a:effectLst>
+            <a:outerShdw blurRad="190500" algn="tl" rotWithShape="0">
+              <a:srgbClr val="000000">
+                <a:alpha val="70000"/>
+              </a:srgbClr>
+            </a:outerShdw>
+          </a:effectLst>
+        </p:spPr>
+      </p:pic>
+    </p:spTree>
+  </p:cSld>
+  <p:clrMapOvr>
+    <a:masterClrMapping/>
+  </p:clrMapOvr>
+  <p:timing>
+    <p:tnLst>
+      <p:par>
+        <p:cTn id="1" dur="indefinite" restart="never" nodeType="tmRoot"/>
+      </p:par>
+    </p:tnLst>
+  </p:timing>
+</p:sld>
+</file>
+
 <file path=ppt/slides/slide2.xml><?xml version="1.0" encoding="utf-8"?>
 <p:sld xmlns:a="http://schemas.openxmlformats.org/drawingml/2006/main" xmlns:r="http://schemas.openxmlformats.org/officeDocument/2006/relationships" xmlns:p="http://schemas.openxmlformats.org/presentationml/2006/main">
   <p:cSld>
@@ -8303,6 +8395,368 @@
           </a:p>
         </p:txBody>
       </p:sp>
+      <p:pic>
+        <p:nvPicPr>
+          <p:cNvPr id="2050" name="Picture 2" descr="D:\aŠKOLA\maturitní práce\Poster\github.png"/>
+          <p:cNvPicPr>
+            <a:picLocks noChangeAspect="1" noChangeArrowheads="1"/>
+          </p:cNvPicPr>
+          <p:nvPr/>
+        </p:nvPicPr>
+        <p:blipFill>
+          <a:blip r:embed="rId2" cstate="print"/>
+          <a:srcRect/>
+          <a:stretch>
+            <a:fillRect/>
+          </a:stretch>
+        </p:blipFill>
+        <p:spPr bwMode="auto">
+          <a:xfrm>
+            <a:off x="1071538" y="3286124"/>
+            <a:ext cx="1571636" cy="1571636"/>
+          </a:xfrm>
+          <a:prstGeom prst="rect">
+            <a:avLst/>
+          </a:prstGeom>
+          <a:noFill/>
+        </p:spPr>
+      </p:pic>
+      <p:pic>
+        <p:nvPicPr>
+          <p:cNvPr id="2051" name="Picture 3" descr="D:\aŠKOLA\maturitní práce\Poster\git.png"/>
+          <p:cNvPicPr>
+            <a:picLocks noChangeAspect="1" noChangeArrowheads="1"/>
+          </p:cNvPicPr>
+          <p:nvPr/>
+        </p:nvPicPr>
+        <p:blipFill>
+          <a:blip r:embed="rId3" cstate="print"/>
+          <a:srcRect/>
+          <a:stretch>
+            <a:fillRect/>
+          </a:stretch>
+        </p:blipFill>
+        <p:spPr bwMode="auto">
+          <a:xfrm>
+            <a:off x="4929190" y="3429000"/>
+            <a:ext cx="1357322" cy="1357322"/>
+          </a:xfrm>
+          <a:prstGeom prst="rect">
+            <a:avLst/>
+          </a:prstGeom>
+          <a:noFill/>
+        </p:spPr>
+      </p:pic>
+      <p:sp>
+        <p:nvSpPr>
+          <p:cNvPr id="5" name="TextovéPole 4"/>
+          <p:cNvSpPr txBox="1"/>
+          <p:nvPr/>
+        </p:nvSpPr>
+        <p:spPr>
+          <a:xfrm>
+            <a:off x="785786" y="2928934"/>
+            <a:ext cx="2643206" cy="369332"/>
+          </a:xfrm>
+          <a:prstGeom prst="rect">
+            <a:avLst/>
+          </a:prstGeom>
+          <a:noFill/>
+        </p:spPr>
+        <p:txBody>
+          <a:bodyPr wrap="square" rtlCol="0">
+            <a:spAutoFit/>
+          </a:bodyPr>
+          <a:lstStyle/>
+          <a:p>
+            <a:r>
+              <a:rPr lang="cs-CZ" dirty="0" smtClean="0"/>
+              <a:t>Online úložiště GitHub:</a:t>
+            </a:r>
+            <a:endParaRPr lang="cs-CZ" dirty="0"/>
+          </a:p>
+        </p:txBody>
+      </p:sp>
+      <p:sp>
+        <p:nvSpPr>
+          <p:cNvPr id="6" name="TextovéPole 5"/>
+          <p:cNvSpPr txBox="1"/>
+          <p:nvPr/>
+        </p:nvSpPr>
+        <p:spPr>
+          <a:xfrm>
+            <a:off x="4357686" y="3143248"/>
+            <a:ext cx="2143140" cy="369332"/>
+          </a:xfrm>
+          <a:prstGeom prst="rect">
+            <a:avLst/>
+          </a:prstGeom>
+          <a:noFill/>
+        </p:spPr>
+        <p:txBody>
+          <a:bodyPr wrap="square" rtlCol="0">
+            <a:spAutoFit/>
+          </a:bodyPr>
+          <a:lstStyle/>
+          <a:p>
+            <a:r>
+              <a:rPr lang="cs-CZ" dirty="0" smtClean="0"/>
+              <a:t>Správce verzí Git:</a:t>
+            </a:r>
+            <a:endParaRPr lang="cs-CZ" dirty="0"/>
+          </a:p>
+        </p:txBody>
+      </p:sp>
+      <p:pic>
+        <p:nvPicPr>
+          <p:cNvPr id="2052" name="Picture 4" descr="D:\aŠKOLA\maturitní práce\Poster\jupyter.png"/>
+          <p:cNvPicPr>
+            <a:picLocks noChangeAspect="1" noChangeArrowheads="1"/>
+          </p:cNvPicPr>
+          <p:nvPr/>
+        </p:nvPicPr>
+        <p:blipFill>
+          <a:blip r:embed="rId4" cstate="print"/>
+          <a:srcRect/>
+          <a:stretch>
+            <a:fillRect/>
+          </a:stretch>
+        </p:blipFill>
+        <p:spPr bwMode="auto">
+          <a:xfrm>
+            <a:off x="5214942" y="1214422"/>
+            <a:ext cx="1294204" cy="1500198"/>
+          </a:xfrm>
+          <a:prstGeom prst="rect">
+            <a:avLst/>
+          </a:prstGeom>
+          <a:noFill/>
+        </p:spPr>
+      </p:pic>
+      <p:pic>
+        <p:nvPicPr>
+          <p:cNvPr id="2053" name="Picture 5" descr="D:\aŠKOLA\maturitní práce\Poster\nbviewer.png"/>
+          <p:cNvPicPr>
+            <a:picLocks noChangeAspect="1" noChangeArrowheads="1"/>
+          </p:cNvPicPr>
+          <p:nvPr/>
+        </p:nvPicPr>
+        <p:blipFill>
+          <a:blip r:embed="rId5" cstate="print"/>
+          <a:srcRect/>
+          <a:stretch>
+            <a:fillRect/>
+          </a:stretch>
+        </p:blipFill>
+        <p:spPr bwMode="auto">
+          <a:xfrm>
+            <a:off x="1571604" y="5143512"/>
+            <a:ext cx="1952612" cy="1952612"/>
+          </a:xfrm>
+          <a:prstGeom prst="rect">
+            <a:avLst/>
+          </a:prstGeom>
+          <a:noFill/>
+        </p:spPr>
+      </p:pic>
+      <p:sp>
+        <p:nvSpPr>
+          <p:cNvPr id="9" name="TextovéPole 8"/>
+          <p:cNvSpPr txBox="1"/>
+          <p:nvPr/>
+        </p:nvSpPr>
+        <p:spPr>
+          <a:xfrm>
+            <a:off x="714348" y="5143512"/>
+            <a:ext cx="3214710" cy="369332"/>
+          </a:xfrm>
+          <a:prstGeom prst="rect">
+            <a:avLst/>
+          </a:prstGeom>
+          <a:noFill/>
+        </p:spPr>
+        <p:txBody>
+          <a:bodyPr wrap="square" rtlCol="0">
+            <a:spAutoFit/>
+          </a:bodyPr>
+          <a:lstStyle/>
+          <a:p>
+            <a:r>
+              <a:rPr lang="cs-CZ" dirty="0" smtClean="0"/>
+              <a:t>Webové rozhraní NBViewer:</a:t>
+            </a:r>
+            <a:endParaRPr lang="cs-CZ" dirty="0"/>
+          </a:p>
+        </p:txBody>
+      </p:sp>
+      <p:sp>
+        <p:nvSpPr>
+          <p:cNvPr id="10" name="TextovéPole 9"/>
+          <p:cNvSpPr txBox="1"/>
+          <p:nvPr/>
+        </p:nvSpPr>
+        <p:spPr>
+          <a:xfrm>
+            <a:off x="4500562" y="857232"/>
+            <a:ext cx="2500330" cy="369332"/>
+          </a:xfrm>
+          <a:prstGeom prst="rect">
+            <a:avLst/>
+          </a:prstGeom>
+          <a:noFill/>
+        </p:spPr>
+        <p:txBody>
+          <a:bodyPr wrap="square" rtlCol="0">
+            <a:spAutoFit/>
+          </a:bodyPr>
+          <a:lstStyle/>
+          <a:p>
+            <a:r>
+              <a:rPr lang="cs-CZ" dirty="0" smtClean="0"/>
+              <a:t>Zápis tutoriálu:</a:t>
+            </a:r>
+            <a:endParaRPr lang="cs-CZ" dirty="0"/>
+          </a:p>
+        </p:txBody>
+      </p:sp>
+      <p:pic>
+        <p:nvPicPr>
+          <p:cNvPr id="2054" name="Picture 6" descr="D:\aŠKOLA\maturitní práce\Poster\python.png"/>
+          <p:cNvPicPr>
+            <a:picLocks noChangeAspect="1" noChangeArrowheads="1"/>
+          </p:cNvPicPr>
+          <p:nvPr/>
+        </p:nvPicPr>
+        <p:blipFill>
+          <a:blip r:embed="rId6" cstate="print"/>
+          <a:srcRect/>
+          <a:stretch>
+            <a:fillRect/>
+          </a:stretch>
+        </p:blipFill>
+        <p:spPr bwMode="auto">
+          <a:xfrm>
+            <a:off x="1000100" y="1428736"/>
+            <a:ext cx="1285884" cy="1285884"/>
+          </a:xfrm>
+          <a:prstGeom prst="rect">
+            <a:avLst/>
+          </a:prstGeom>
+          <a:noFill/>
+        </p:spPr>
+      </p:pic>
+      <p:sp>
+        <p:nvSpPr>
+          <p:cNvPr id="12" name="TextovéPole 11"/>
+          <p:cNvSpPr txBox="1"/>
+          <p:nvPr/>
+        </p:nvSpPr>
+        <p:spPr>
+          <a:xfrm>
+            <a:off x="1000100" y="928670"/>
+            <a:ext cx="3000396" cy="369332"/>
+          </a:xfrm>
+          <a:prstGeom prst="rect">
+            <a:avLst/>
+          </a:prstGeom>
+          <a:noFill/>
+        </p:spPr>
+        <p:txBody>
+          <a:bodyPr wrap="square" rtlCol="0">
+            <a:spAutoFit/>
+          </a:bodyPr>
+          <a:lstStyle/>
+          <a:p>
+            <a:r>
+              <a:rPr lang="cs-CZ" dirty="0" smtClean="0"/>
+              <a:t>Programovací jazyk a modul:</a:t>
+            </a:r>
+            <a:endParaRPr lang="cs-CZ" dirty="0"/>
+          </a:p>
+        </p:txBody>
+      </p:sp>
+      <p:pic>
+        <p:nvPicPr>
+          <p:cNvPr id="2056" name="Picture 8" descr="D:\aŠKOLA\maturitní práce\Poster\WxPython-logo.png"/>
+          <p:cNvPicPr>
+            <a:picLocks noChangeAspect="1" noChangeArrowheads="1"/>
+          </p:cNvPicPr>
+          <p:nvPr/>
+        </p:nvPicPr>
+        <p:blipFill>
+          <a:blip r:embed="rId7" cstate="print"/>
+          <a:srcRect/>
+          <a:stretch>
+            <a:fillRect/>
+          </a:stretch>
+        </p:blipFill>
+        <p:spPr bwMode="auto">
+          <a:xfrm>
+            <a:off x="2500298" y="1428736"/>
+            <a:ext cx="1828813" cy="1143008"/>
+          </a:xfrm>
+          <a:prstGeom prst="rect">
+            <a:avLst/>
+          </a:prstGeom>
+          <a:noFill/>
+        </p:spPr>
+      </p:pic>
+      <p:pic>
+        <p:nvPicPr>
+          <p:cNvPr id="2058" name="Picture 10" descr="Visual studio code logo is offensive to me · Issue #87419 · microsoft/vscode  · GitHub"/>
+          <p:cNvPicPr>
+            <a:picLocks noChangeAspect="1" noChangeArrowheads="1"/>
+          </p:cNvPicPr>
+          <p:nvPr/>
+        </p:nvPicPr>
+        <p:blipFill>
+          <a:blip r:embed="rId8" cstate="print"/>
+          <a:srcRect/>
+          <a:stretch>
+            <a:fillRect/>
+          </a:stretch>
+        </p:blipFill>
+        <p:spPr bwMode="auto">
+          <a:xfrm>
+            <a:off x="4786314" y="5214950"/>
+            <a:ext cx="1214366" cy="1214366"/>
+          </a:xfrm>
+          <a:prstGeom prst="rect">
+            <a:avLst/>
+          </a:prstGeom>
+          <a:noFill/>
+        </p:spPr>
+      </p:pic>
+      <p:sp>
+        <p:nvSpPr>
+          <p:cNvPr id="16" name="TextovéPole 15"/>
+          <p:cNvSpPr txBox="1"/>
+          <p:nvPr/>
+        </p:nvSpPr>
+        <p:spPr>
+          <a:xfrm>
+            <a:off x="4643438" y="4786322"/>
+            <a:ext cx="2428892" cy="369332"/>
+          </a:xfrm>
+          <a:prstGeom prst="rect">
+            <a:avLst/>
+          </a:prstGeom>
+          <a:noFill/>
+        </p:spPr>
+        <p:txBody>
+          <a:bodyPr wrap="square" rtlCol="0">
+            <a:spAutoFit/>
+          </a:bodyPr>
+          <a:lstStyle/>
+          <a:p>
+            <a:r>
+              <a:rPr lang="cs-CZ" dirty="0" smtClean="0"/>
+              <a:t>IDE VSCode:</a:t>
+            </a:r>
+            <a:endParaRPr lang="cs-CZ" dirty="0"/>
+          </a:p>
+        </p:txBody>
+      </p:sp>
     </p:spTree>
   </p:cSld>
   <p:clrMapOvr>
@@ -8328,49 +8782,25 @@
           <a:chExt cx="0" cy="0"/>
         </a:xfrm>
       </p:grpSpPr>
-      <p:sp>
-        <p:nvSpPr>
-          <p:cNvPr id="2" name="Nadpis 1"/>
-          <p:cNvSpPr>
-            <a:spLocks noGrp="1"/>
-          </p:cNvSpPr>
-          <p:nvPr>
-            <p:ph type="title"/>
-          </p:nvPr>
-        </p:nvSpPr>
-        <p:spPr/>
-        <p:txBody>
-          <a:bodyPr>
-            <a:normAutofit/>
-          </a:bodyPr>
-          <a:lstStyle/>
-          <a:p>
-            <a:r>
-              <a:rPr lang="cs-CZ" sz="6600" dirty="0" smtClean="0"/>
-              <a:t>Děkuji za pozornost</a:t>
-            </a:r>
-            <a:endParaRPr lang="cs-CZ" sz="6600" dirty="0"/>
-          </a:p>
-        </p:txBody>
-      </p:sp>
       <p:pic>
         <p:nvPicPr>
-          <p:cNvPr id="4" name="Obrázek 3" descr="wxtutorial_logo.png"/>
+          <p:cNvPr id="1027" name="Picture 3"/>
           <p:cNvPicPr>
-            <a:picLocks noChangeAspect="1"/>
+            <a:picLocks noChangeAspect="1" noChangeArrowheads="1"/>
           </p:cNvPicPr>
           <p:nvPr/>
         </p:nvPicPr>
         <p:blipFill>
-          <a:blip r:embed="rId2" cstate="print"/>
+          <a:blip r:embed="rId2"/>
+          <a:srcRect/>
           <a:stretch>
             <a:fillRect/>
           </a:stretch>
         </p:blipFill>
-        <p:spPr>
-          <a:xfrm>
-            <a:off x="1142976" y="3643314"/>
-            <a:ext cx="7403857" cy="2614835"/>
+        <p:spPr bwMode="auto">
+          <a:xfrm>
+            <a:off x="1500166" y="1142984"/>
+            <a:ext cx="5634666" cy="4724266"/>
           </a:xfrm>
           <a:prstGeom prst="rect">
             <a:avLst/>
@@ -8379,26 +8809,105 @@
             <a:noFill/>
           </a:ln>
           <a:effectLst>
-            <a:outerShdw blurRad="190500" algn="tl" rotWithShape="0">
-              <a:srgbClr val="000000">
-                <a:alpha val="70000"/>
+            <a:outerShdw blurRad="292100" dist="139700" dir="2700000" algn="tl" rotWithShape="0">
+              <a:srgbClr val="333333">
+                <a:alpha val="65000"/>
               </a:srgbClr>
             </a:outerShdw>
           </a:effectLst>
         </p:spPr>
       </p:pic>
+      <p:sp>
+        <p:nvSpPr>
+          <p:cNvPr id="4" name="TextovéPole 3"/>
+          <p:cNvSpPr txBox="1"/>
+          <p:nvPr/>
+        </p:nvSpPr>
+        <p:spPr>
+          <a:xfrm>
+            <a:off x="1071538" y="357166"/>
+            <a:ext cx="5786478" cy="707886"/>
+          </a:xfrm>
+          <a:prstGeom prst="rect">
+            <a:avLst/>
+          </a:prstGeom>
+          <a:noFill/>
+        </p:spPr>
+        <p:txBody>
+          <a:bodyPr wrap="square" rtlCol="0">
+            <a:spAutoFit/>
+          </a:bodyPr>
+          <a:lstStyle/>
+          <a:p>
+            <a:r>
+              <a:rPr lang="cs-CZ" sz="4000" dirty="0" smtClean="0"/>
+              <a:t>Celá práce:</a:t>
+            </a:r>
+            <a:endParaRPr lang="cs-CZ" sz="4000" dirty="0"/>
+          </a:p>
+        </p:txBody>
+      </p:sp>
+      <p:sp>
+        <p:nvSpPr>
+          <p:cNvPr id="5" name="TextovéPole 4"/>
+          <p:cNvSpPr txBox="1"/>
+          <p:nvPr/>
+        </p:nvSpPr>
+        <p:spPr>
+          <a:xfrm>
+            <a:off x="1357258" y="5934670"/>
+            <a:ext cx="7786742" cy="923330"/>
+          </a:xfrm>
+          <a:prstGeom prst="rect">
+            <a:avLst/>
+          </a:prstGeom>
+          <a:noFill/>
+        </p:spPr>
+        <p:txBody>
+          <a:bodyPr wrap="square" rtlCol="0">
+            <a:spAutoFit/>
+          </a:bodyPr>
+          <a:lstStyle/>
+          <a:p>
+            <a:pPr>
+              <a:buFont typeface="Arial" pitchFamily="34" charset="0"/>
+              <a:buChar char="•"/>
+            </a:pPr>
+            <a:r>
+              <a:rPr lang="cs-CZ" dirty="0" smtClean="0"/>
+              <a:t>https</a:t>
+            </a:r>
+            <a:r>
+              <a:rPr lang="cs-CZ" dirty="0" smtClean="0"/>
+              <a:t>://</a:t>
+            </a:r>
+            <a:r>
+              <a:rPr lang="cs-CZ" dirty="0" smtClean="0"/>
+              <a:t>github.com/Feeeeeeeeeela/WxTutorial</a:t>
+            </a:r>
+          </a:p>
+          <a:p>
+            <a:pPr>
+              <a:buFont typeface="Arial" pitchFamily="34" charset="0"/>
+              <a:buChar char="•"/>
+            </a:pPr>
+            <a:r>
+              <a:rPr lang="cs-CZ" dirty="0" smtClean="0"/>
+              <a:t>https</a:t>
+            </a:r>
+            <a:r>
+              <a:rPr lang="cs-CZ" dirty="0" smtClean="0"/>
+              <a:t>://nbviewer.jupyter.org/github/Feeeeeeeeeela/WxTutorial/blob/master/Main.ipynb</a:t>
+            </a:r>
+            <a:endParaRPr lang="cs-CZ" dirty="0" smtClean="0"/>
+          </a:p>
+        </p:txBody>
+      </p:sp>
     </p:spTree>
   </p:cSld>
   <p:clrMapOvr>
     <a:masterClrMapping/>
   </p:clrMapOvr>
-  <p:timing>
-    <p:tnLst>
-      <p:par>
-        <p:cTn id="1" dur="indefinite" restart="never" nodeType="tmRoot"/>
-      </p:par>
-    </p:tnLst>
-  </p:timing>
 </p:sld>
 </file>
 
@@ -8652,7 +9161,7 @@
   <a:extraClrSchemeLst/>
   <a:extLst>
     <a:ext uri="{05A4C25C-085E-4340-85A3-A5531E510DB2}">
-      <thm15:themeFamily xmlns:thm15="http://schemas.microsoft.com/office/thememl/2012/main" xmlns="" name="Office_36804475_TF22644756.potx" id="{F397E5FB-1475-4A2B-A118-C3E33793FB85}" vid="{9CC913D8-D7AD-4BF9-92C5-3F646CD0259E}"/>
+      <thm15:themeFamily xmlns="" xmlns:thm15="http://schemas.microsoft.com/office/thememl/2012/main" name="Office_36804475_TF22644756.potx" id="{F397E5FB-1475-4A2B-A118-C3E33793FB85}" vid="{9CC913D8-D7AD-4BF9-92C5-3F646CD0259E}"/>
     </a:ext>
   </a:extLst>
 </a:theme>
